--- a/High Performance.pptx
+++ b/High Performance.pptx
@@ -9,6 +9,19 @@
     <p:sldId id="257" r:id="rId3"/>
     <p:sldId id="259" r:id="rId4"/>
     <p:sldId id="258" r:id="rId5"/>
+    <p:sldId id="260" r:id="rId6"/>
+    <p:sldId id="261" r:id="rId7"/>
+    <p:sldId id="262" r:id="rId8"/>
+    <p:sldId id="263" r:id="rId9"/>
+    <p:sldId id="264" r:id="rId10"/>
+    <p:sldId id="265" r:id="rId11"/>
+    <p:sldId id="266" r:id="rId12"/>
+    <p:sldId id="267" r:id="rId13"/>
+    <p:sldId id="268" r:id="rId14"/>
+    <p:sldId id="269" r:id="rId15"/>
+    <p:sldId id="270" r:id="rId16"/>
+    <p:sldId id="271" r:id="rId17"/>
+    <p:sldId id="272" r:id="rId18"/>
   </p:sldIdLst>
   <p:sldSz cx="12192000" cy="6858000"/>
   <p:notesSz cx="6858000" cy="9144000"/>
@@ -107,6 +120,11 @@
       </a:defRPr>
     </a:lvl9pPr>
   </p:defaultTextStyle>
+  <p:extLst>
+    <p:ext uri="{EFAFB233-063F-42B5-8137-9DF3F51BA10A}">
+      <p15:sldGuideLst xmlns:p15="http://schemas.microsoft.com/office/powerpoint/2012/main"/>
+    </p:ext>
+  </p:extLst>
 </p:presentation>
 </file>
 
@@ -3883,6 +3901,683 @@
 </p:sld>
 </file>
 
+<file path=ppt/slides/slide10.xml><?xml version="1.0" encoding="utf-8"?>
+<p:sld xmlns:a="http://schemas.openxmlformats.org/drawingml/2006/main" xmlns:r="http://schemas.openxmlformats.org/officeDocument/2006/relationships" xmlns:p="http://schemas.openxmlformats.org/presentationml/2006/main">
+  <p:cSld>
+    <p:spTree>
+      <p:nvGrpSpPr>
+        <p:cNvPr id="1" name=""/>
+        <p:cNvGrpSpPr/>
+        <p:nvPr/>
+      </p:nvGrpSpPr>
+      <p:grpSpPr>
+        <a:xfrm>
+          <a:off x="0" y="0"/>
+          <a:ext cx="0" cy="0"/>
+          <a:chOff x="0" y="0"/>
+          <a:chExt cx="0" cy="0"/>
+        </a:xfrm>
+      </p:grpSpPr>
+      <p:sp>
+        <p:nvSpPr>
+          <p:cNvPr id="2" name="Title 1">
+            <a:extLst>
+              <a:ext uri="{FF2B5EF4-FFF2-40B4-BE49-F238E27FC236}">
+                <a16:creationId xmlns:a16="http://schemas.microsoft.com/office/drawing/2014/main" id="{8F2D351E-7E63-50FB-3E24-6BC04C046015}"/>
+              </a:ext>
+            </a:extLst>
+          </p:cNvPr>
+          <p:cNvSpPr>
+            <a:spLocks noGrp="1"/>
+          </p:cNvSpPr>
+          <p:nvPr>
+            <p:ph type="title"/>
+          </p:nvPr>
+        </p:nvSpPr>
+        <p:spPr/>
+        <p:txBody>
+          <a:bodyPr/>
+          <a:lstStyle/>
+          <a:p>
+            <a:r>
+              <a:rPr lang="en-GB" dirty="0"/>
+              <a:t>UTF-8 cheat mode</a:t>
+            </a:r>
+          </a:p>
+        </p:txBody>
+      </p:sp>
+      <p:sp>
+        <p:nvSpPr>
+          <p:cNvPr id="3" name="Text Placeholder 2">
+            <a:extLst>
+              <a:ext uri="{FF2B5EF4-FFF2-40B4-BE49-F238E27FC236}">
+                <a16:creationId xmlns:a16="http://schemas.microsoft.com/office/drawing/2014/main" id="{77C57555-D90B-E71D-05CC-2F458EDF325D}"/>
+              </a:ext>
+            </a:extLst>
+          </p:cNvPr>
+          <p:cNvSpPr>
+            <a:spLocks noGrp="1"/>
+          </p:cNvSpPr>
+          <p:nvPr>
+            <p:ph type="body" idx="1"/>
+          </p:nvPr>
+        </p:nvSpPr>
+        <p:spPr/>
+        <p:txBody>
+          <a:bodyPr/>
+          <a:lstStyle/>
+          <a:p>
+            <a:endParaRPr lang="en-GB"/>
+          </a:p>
+        </p:txBody>
+      </p:sp>
+    </p:spTree>
+    <p:extLst>
+      <p:ext uri="{BB962C8B-B14F-4D97-AF65-F5344CB8AC3E}">
+        <p14:creationId xmlns:p14="http://schemas.microsoft.com/office/powerpoint/2010/main" val="924260560"/>
+      </p:ext>
+    </p:extLst>
+  </p:cSld>
+  <p:clrMapOvr>
+    <a:masterClrMapping/>
+  </p:clrMapOvr>
+</p:sld>
+</file>
+
+<file path=ppt/slides/slide11.xml><?xml version="1.0" encoding="utf-8"?>
+<p:sld xmlns:a="http://schemas.openxmlformats.org/drawingml/2006/main" xmlns:r="http://schemas.openxmlformats.org/officeDocument/2006/relationships" xmlns:p="http://schemas.openxmlformats.org/presentationml/2006/main">
+  <p:cSld>
+    <p:spTree>
+      <p:nvGrpSpPr>
+        <p:cNvPr id="1" name=""/>
+        <p:cNvGrpSpPr/>
+        <p:nvPr/>
+      </p:nvGrpSpPr>
+      <p:grpSpPr>
+        <a:xfrm>
+          <a:off x="0" y="0"/>
+          <a:ext cx="0" cy="0"/>
+          <a:chOff x="0" y="0"/>
+          <a:chExt cx="0" cy="0"/>
+        </a:xfrm>
+      </p:grpSpPr>
+      <p:sp>
+        <p:nvSpPr>
+          <p:cNvPr id="2" name="Title 1">
+            <a:extLst>
+              <a:ext uri="{FF2B5EF4-FFF2-40B4-BE49-F238E27FC236}">
+                <a16:creationId xmlns:a16="http://schemas.microsoft.com/office/drawing/2014/main" id="{8B5E34E0-04DD-39AD-9739-6CF088263378}"/>
+              </a:ext>
+            </a:extLst>
+          </p:cNvPr>
+          <p:cNvSpPr>
+            <a:spLocks noGrp="1"/>
+          </p:cNvSpPr>
+          <p:nvPr>
+            <p:ph type="title"/>
+          </p:nvPr>
+        </p:nvSpPr>
+        <p:spPr/>
+        <p:txBody>
+          <a:bodyPr/>
+          <a:lstStyle/>
+          <a:p>
+            <a:r>
+              <a:rPr lang="en-GB" dirty="0" err="1"/>
+              <a:t>SafeFileHandle</a:t>
+            </a:r>
+            <a:endParaRPr lang="en-GB" dirty="0"/>
+          </a:p>
+        </p:txBody>
+      </p:sp>
+      <p:sp>
+        <p:nvSpPr>
+          <p:cNvPr id="3" name="Text Placeholder 2">
+            <a:extLst>
+              <a:ext uri="{FF2B5EF4-FFF2-40B4-BE49-F238E27FC236}">
+                <a16:creationId xmlns:a16="http://schemas.microsoft.com/office/drawing/2014/main" id="{398CEDFD-6540-0A41-E266-D98F1F245F39}"/>
+              </a:ext>
+            </a:extLst>
+          </p:cNvPr>
+          <p:cNvSpPr>
+            <a:spLocks noGrp="1"/>
+          </p:cNvSpPr>
+          <p:nvPr>
+            <p:ph type="body" idx="1"/>
+          </p:nvPr>
+        </p:nvSpPr>
+        <p:spPr/>
+        <p:txBody>
+          <a:bodyPr/>
+          <a:lstStyle/>
+          <a:p>
+            <a:endParaRPr lang="en-GB"/>
+          </a:p>
+        </p:txBody>
+      </p:sp>
+    </p:spTree>
+    <p:extLst>
+      <p:ext uri="{BB962C8B-B14F-4D97-AF65-F5344CB8AC3E}">
+        <p14:creationId xmlns:p14="http://schemas.microsoft.com/office/powerpoint/2010/main" val="3264040846"/>
+      </p:ext>
+    </p:extLst>
+  </p:cSld>
+  <p:clrMapOvr>
+    <a:masterClrMapping/>
+  </p:clrMapOvr>
+</p:sld>
+</file>
+
+<file path=ppt/slides/slide12.xml><?xml version="1.0" encoding="utf-8"?>
+<p:sld xmlns:a="http://schemas.openxmlformats.org/drawingml/2006/main" xmlns:r="http://schemas.openxmlformats.org/officeDocument/2006/relationships" xmlns:p="http://schemas.openxmlformats.org/presentationml/2006/main">
+  <p:cSld>
+    <p:spTree>
+      <p:nvGrpSpPr>
+        <p:cNvPr id="1" name=""/>
+        <p:cNvGrpSpPr/>
+        <p:nvPr/>
+      </p:nvGrpSpPr>
+      <p:grpSpPr>
+        <a:xfrm>
+          <a:off x="0" y="0"/>
+          <a:ext cx="0" cy="0"/>
+          <a:chOff x="0" y="0"/>
+          <a:chExt cx="0" cy="0"/>
+        </a:xfrm>
+      </p:grpSpPr>
+      <p:sp>
+        <p:nvSpPr>
+          <p:cNvPr id="2" name="Title 1">
+            <a:extLst>
+              <a:ext uri="{FF2B5EF4-FFF2-40B4-BE49-F238E27FC236}">
+                <a16:creationId xmlns:a16="http://schemas.microsoft.com/office/drawing/2014/main" id="{481AAF2D-4448-BA54-6258-5FEDF24E6844}"/>
+              </a:ext>
+            </a:extLst>
+          </p:cNvPr>
+          <p:cNvSpPr>
+            <a:spLocks noGrp="1"/>
+          </p:cNvSpPr>
+          <p:nvPr>
+            <p:ph type="title"/>
+          </p:nvPr>
+        </p:nvSpPr>
+        <p:spPr/>
+        <p:txBody>
+          <a:bodyPr/>
+          <a:lstStyle/>
+          <a:p>
+            <a:r>
+              <a:rPr lang="en-GB" dirty="0"/>
+              <a:t>Parallelization</a:t>
+            </a:r>
+          </a:p>
+        </p:txBody>
+      </p:sp>
+      <p:sp>
+        <p:nvSpPr>
+          <p:cNvPr id="3" name="Text Placeholder 2">
+            <a:extLst>
+              <a:ext uri="{FF2B5EF4-FFF2-40B4-BE49-F238E27FC236}">
+                <a16:creationId xmlns:a16="http://schemas.microsoft.com/office/drawing/2014/main" id="{B21C7692-656B-9442-27DA-7EA77F277054}"/>
+              </a:ext>
+            </a:extLst>
+          </p:cNvPr>
+          <p:cNvSpPr>
+            <a:spLocks noGrp="1"/>
+          </p:cNvSpPr>
+          <p:nvPr>
+            <p:ph type="body" idx="1"/>
+          </p:nvPr>
+        </p:nvSpPr>
+        <p:spPr/>
+        <p:txBody>
+          <a:bodyPr/>
+          <a:lstStyle/>
+          <a:p>
+            <a:endParaRPr lang="en-GB"/>
+          </a:p>
+        </p:txBody>
+      </p:sp>
+    </p:spTree>
+    <p:extLst>
+      <p:ext uri="{BB962C8B-B14F-4D97-AF65-F5344CB8AC3E}">
+        <p14:creationId xmlns:p14="http://schemas.microsoft.com/office/powerpoint/2010/main" val="817267081"/>
+      </p:ext>
+    </p:extLst>
+  </p:cSld>
+  <p:clrMapOvr>
+    <a:masterClrMapping/>
+  </p:clrMapOvr>
+</p:sld>
+</file>
+
+<file path=ppt/slides/slide13.xml><?xml version="1.0" encoding="utf-8"?>
+<p:sld xmlns:a="http://schemas.openxmlformats.org/drawingml/2006/main" xmlns:r="http://schemas.openxmlformats.org/officeDocument/2006/relationships" xmlns:p="http://schemas.openxmlformats.org/presentationml/2006/main">
+  <p:cSld>
+    <p:spTree>
+      <p:nvGrpSpPr>
+        <p:cNvPr id="1" name=""/>
+        <p:cNvGrpSpPr/>
+        <p:nvPr/>
+      </p:nvGrpSpPr>
+      <p:grpSpPr>
+        <a:xfrm>
+          <a:off x="0" y="0"/>
+          <a:ext cx="0" cy="0"/>
+          <a:chOff x="0" y="0"/>
+          <a:chExt cx="0" cy="0"/>
+        </a:xfrm>
+      </p:grpSpPr>
+      <p:sp>
+        <p:nvSpPr>
+          <p:cNvPr id="2" name="Title 1">
+            <a:extLst>
+              <a:ext uri="{FF2B5EF4-FFF2-40B4-BE49-F238E27FC236}">
+                <a16:creationId xmlns:a16="http://schemas.microsoft.com/office/drawing/2014/main" id="{9BE5FF54-85B8-0C02-99FB-947C076065EE}"/>
+              </a:ext>
+            </a:extLst>
+          </p:cNvPr>
+          <p:cNvSpPr>
+            <a:spLocks noGrp="1"/>
+          </p:cNvSpPr>
+          <p:nvPr>
+            <p:ph type="title"/>
+          </p:nvPr>
+        </p:nvSpPr>
+        <p:spPr/>
+        <p:txBody>
+          <a:bodyPr/>
+          <a:lstStyle/>
+          <a:p>
+            <a:r>
+              <a:rPr lang="en-GB" dirty="0"/>
+              <a:t>Memory Mapped Files</a:t>
+            </a:r>
+          </a:p>
+        </p:txBody>
+      </p:sp>
+      <p:sp>
+        <p:nvSpPr>
+          <p:cNvPr id="3" name="Text Placeholder 2">
+            <a:extLst>
+              <a:ext uri="{FF2B5EF4-FFF2-40B4-BE49-F238E27FC236}">
+                <a16:creationId xmlns:a16="http://schemas.microsoft.com/office/drawing/2014/main" id="{21F71F9B-DAEC-03A5-AAEA-A7FDD3CFEB21}"/>
+              </a:ext>
+            </a:extLst>
+          </p:cNvPr>
+          <p:cNvSpPr>
+            <a:spLocks noGrp="1"/>
+          </p:cNvSpPr>
+          <p:nvPr>
+            <p:ph type="body" idx="1"/>
+          </p:nvPr>
+        </p:nvSpPr>
+        <p:spPr/>
+        <p:txBody>
+          <a:bodyPr/>
+          <a:lstStyle/>
+          <a:p>
+            <a:endParaRPr lang="en-GB"/>
+          </a:p>
+        </p:txBody>
+      </p:sp>
+    </p:spTree>
+    <p:extLst>
+      <p:ext uri="{BB962C8B-B14F-4D97-AF65-F5344CB8AC3E}">
+        <p14:creationId xmlns:p14="http://schemas.microsoft.com/office/powerpoint/2010/main" val="3283078718"/>
+      </p:ext>
+    </p:extLst>
+  </p:cSld>
+  <p:clrMapOvr>
+    <a:masterClrMapping/>
+  </p:clrMapOvr>
+</p:sld>
+</file>
+
+<file path=ppt/slides/slide14.xml><?xml version="1.0" encoding="utf-8"?>
+<p:sld xmlns:a="http://schemas.openxmlformats.org/drawingml/2006/main" xmlns:r="http://schemas.openxmlformats.org/officeDocument/2006/relationships" xmlns:p="http://schemas.openxmlformats.org/presentationml/2006/main">
+  <p:cSld>
+    <p:spTree>
+      <p:nvGrpSpPr>
+        <p:cNvPr id="1" name=""/>
+        <p:cNvGrpSpPr/>
+        <p:nvPr/>
+      </p:nvGrpSpPr>
+      <p:grpSpPr>
+        <a:xfrm>
+          <a:off x="0" y="0"/>
+          <a:ext cx="0" cy="0"/>
+          <a:chOff x="0" y="0"/>
+          <a:chExt cx="0" cy="0"/>
+        </a:xfrm>
+      </p:grpSpPr>
+      <p:sp>
+        <p:nvSpPr>
+          <p:cNvPr id="2" name="Title 1">
+            <a:extLst>
+              <a:ext uri="{FF2B5EF4-FFF2-40B4-BE49-F238E27FC236}">
+                <a16:creationId xmlns:a16="http://schemas.microsoft.com/office/drawing/2014/main" id="{99F1B97D-7FB3-BBC4-0558-39DF48D0C7AB}"/>
+              </a:ext>
+            </a:extLst>
+          </p:cNvPr>
+          <p:cNvSpPr>
+            <a:spLocks noGrp="1"/>
+          </p:cNvSpPr>
+          <p:nvPr>
+            <p:ph type="title"/>
+          </p:nvPr>
+        </p:nvSpPr>
+        <p:spPr/>
+        <p:txBody>
+          <a:bodyPr/>
+          <a:lstStyle/>
+          <a:p>
+            <a:r>
+              <a:rPr lang="en-GB" dirty="0"/>
+              <a:t>Unsafe Work Stealing</a:t>
+            </a:r>
+          </a:p>
+        </p:txBody>
+      </p:sp>
+      <p:sp>
+        <p:nvSpPr>
+          <p:cNvPr id="3" name="Text Placeholder 2">
+            <a:extLst>
+              <a:ext uri="{FF2B5EF4-FFF2-40B4-BE49-F238E27FC236}">
+                <a16:creationId xmlns:a16="http://schemas.microsoft.com/office/drawing/2014/main" id="{F46A0493-6483-FB73-24FA-86BD37F37357}"/>
+              </a:ext>
+            </a:extLst>
+          </p:cNvPr>
+          <p:cNvSpPr>
+            <a:spLocks noGrp="1"/>
+          </p:cNvSpPr>
+          <p:nvPr>
+            <p:ph type="body" idx="1"/>
+          </p:nvPr>
+        </p:nvSpPr>
+        <p:spPr/>
+        <p:txBody>
+          <a:bodyPr/>
+          <a:lstStyle/>
+          <a:p>
+            <a:endParaRPr lang="en-GB"/>
+          </a:p>
+        </p:txBody>
+      </p:sp>
+    </p:spTree>
+    <p:extLst>
+      <p:ext uri="{BB962C8B-B14F-4D97-AF65-F5344CB8AC3E}">
+        <p14:creationId xmlns:p14="http://schemas.microsoft.com/office/powerpoint/2010/main" val="887302262"/>
+      </p:ext>
+    </p:extLst>
+  </p:cSld>
+  <p:clrMapOvr>
+    <a:masterClrMapping/>
+  </p:clrMapOvr>
+</p:sld>
+</file>
+
+<file path=ppt/slides/slide15.xml><?xml version="1.0" encoding="utf-8"?>
+<p:sld xmlns:a="http://schemas.openxmlformats.org/drawingml/2006/main" xmlns:r="http://schemas.openxmlformats.org/officeDocument/2006/relationships" xmlns:p="http://schemas.openxmlformats.org/presentationml/2006/main">
+  <p:cSld>
+    <p:spTree>
+      <p:nvGrpSpPr>
+        <p:cNvPr id="1" name=""/>
+        <p:cNvGrpSpPr/>
+        <p:nvPr/>
+      </p:nvGrpSpPr>
+      <p:grpSpPr>
+        <a:xfrm>
+          <a:off x="0" y="0"/>
+          <a:ext cx="0" cy="0"/>
+          <a:chOff x="0" y="0"/>
+          <a:chExt cx="0" cy="0"/>
+        </a:xfrm>
+      </p:grpSpPr>
+      <p:sp>
+        <p:nvSpPr>
+          <p:cNvPr id="2" name="Title 1">
+            <a:extLst>
+              <a:ext uri="{FF2B5EF4-FFF2-40B4-BE49-F238E27FC236}">
+                <a16:creationId xmlns:a16="http://schemas.microsoft.com/office/drawing/2014/main" id="{113D9BF3-3B68-9620-25DB-8AB2728B71A2}"/>
+              </a:ext>
+            </a:extLst>
+          </p:cNvPr>
+          <p:cNvSpPr>
+            <a:spLocks noGrp="1"/>
+          </p:cNvSpPr>
+          <p:nvPr>
+            <p:ph type="title"/>
+          </p:nvPr>
+        </p:nvSpPr>
+        <p:spPr/>
+        <p:txBody>
+          <a:bodyPr/>
+          <a:lstStyle/>
+          <a:p>
+            <a:r>
+              <a:rPr lang="en-GB" dirty="0"/>
+              <a:t>Native AOT</a:t>
+            </a:r>
+          </a:p>
+        </p:txBody>
+      </p:sp>
+      <p:sp>
+        <p:nvSpPr>
+          <p:cNvPr id="3" name="Text Placeholder 2">
+            <a:extLst>
+              <a:ext uri="{FF2B5EF4-FFF2-40B4-BE49-F238E27FC236}">
+                <a16:creationId xmlns:a16="http://schemas.microsoft.com/office/drawing/2014/main" id="{AC117C25-E965-E1BB-AAC4-45FF05FEDAA1}"/>
+              </a:ext>
+            </a:extLst>
+          </p:cNvPr>
+          <p:cNvSpPr>
+            <a:spLocks noGrp="1"/>
+          </p:cNvSpPr>
+          <p:nvPr>
+            <p:ph type="body" idx="1"/>
+          </p:nvPr>
+        </p:nvSpPr>
+        <p:spPr/>
+        <p:txBody>
+          <a:bodyPr/>
+          <a:lstStyle/>
+          <a:p>
+            <a:endParaRPr lang="en-GB"/>
+          </a:p>
+        </p:txBody>
+      </p:sp>
+    </p:spTree>
+    <p:extLst>
+      <p:ext uri="{BB962C8B-B14F-4D97-AF65-F5344CB8AC3E}">
+        <p14:creationId xmlns:p14="http://schemas.microsoft.com/office/powerpoint/2010/main" val="2786574274"/>
+      </p:ext>
+    </p:extLst>
+  </p:cSld>
+  <p:clrMapOvr>
+    <a:masterClrMapping/>
+  </p:clrMapOvr>
+</p:sld>
+</file>
+
+<file path=ppt/slides/slide16.xml><?xml version="1.0" encoding="utf-8"?>
+<p:sld xmlns:a="http://schemas.openxmlformats.org/drawingml/2006/main" xmlns:r="http://schemas.openxmlformats.org/officeDocument/2006/relationships" xmlns:p="http://schemas.openxmlformats.org/presentationml/2006/main">
+  <p:cSld>
+    <p:spTree>
+      <p:nvGrpSpPr>
+        <p:cNvPr id="1" name=""/>
+        <p:cNvGrpSpPr/>
+        <p:nvPr/>
+      </p:nvGrpSpPr>
+      <p:grpSpPr>
+        <a:xfrm>
+          <a:off x="0" y="0"/>
+          <a:ext cx="0" cy="0"/>
+          <a:chOff x="0" y="0"/>
+          <a:chExt cx="0" cy="0"/>
+        </a:xfrm>
+      </p:grpSpPr>
+      <p:sp>
+        <p:nvSpPr>
+          <p:cNvPr id="2" name="Title 1">
+            <a:extLst>
+              <a:ext uri="{FF2B5EF4-FFF2-40B4-BE49-F238E27FC236}">
+                <a16:creationId xmlns:a16="http://schemas.microsoft.com/office/drawing/2014/main" id="{26F5801E-6CB7-7E14-D17B-4D26530BED1F}"/>
+              </a:ext>
+            </a:extLst>
+          </p:cNvPr>
+          <p:cNvSpPr>
+            <a:spLocks noGrp="1"/>
+          </p:cNvSpPr>
+          <p:nvPr>
+            <p:ph type="title"/>
+          </p:nvPr>
+        </p:nvSpPr>
+        <p:spPr/>
+        <p:txBody>
+          <a:bodyPr/>
+          <a:lstStyle/>
+          <a:p>
+            <a:r>
+              <a:rPr lang="en-GB" dirty="0"/>
+              <a:t>Profile-Guided</a:t>
+            </a:r>
+            <a:br>
+              <a:rPr lang="en-GB" dirty="0"/>
+            </a:br>
+            <a:r>
+              <a:rPr lang="en-GB" dirty="0"/>
+              <a:t>Optimization</a:t>
+            </a:r>
+          </a:p>
+        </p:txBody>
+      </p:sp>
+      <p:sp>
+        <p:nvSpPr>
+          <p:cNvPr id="3" name="Text Placeholder 2">
+            <a:extLst>
+              <a:ext uri="{FF2B5EF4-FFF2-40B4-BE49-F238E27FC236}">
+                <a16:creationId xmlns:a16="http://schemas.microsoft.com/office/drawing/2014/main" id="{B5EAC820-6A34-82BA-3483-E41FCDFD82BE}"/>
+              </a:ext>
+            </a:extLst>
+          </p:cNvPr>
+          <p:cNvSpPr>
+            <a:spLocks noGrp="1"/>
+          </p:cNvSpPr>
+          <p:nvPr>
+            <p:ph type="body" idx="1"/>
+          </p:nvPr>
+        </p:nvSpPr>
+        <p:spPr/>
+        <p:txBody>
+          <a:bodyPr/>
+          <a:lstStyle/>
+          <a:p>
+            <a:endParaRPr lang="en-GB"/>
+          </a:p>
+        </p:txBody>
+      </p:sp>
+    </p:spTree>
+    <p:extLst>
+      <p:ext uri="{BB962C8B-B14F-4D97-AF65-F5344CB8AC3E}">
+        <p14:creationId xmlns:p14="http://schemas.microsoft.com/office/powerpoint/2010/main" val="703504760"/>
+      </p:ext>
+    </p:extLst>
+  </p:cSld>
+  <p:clrMapOvr>
+    <a:masterClrMapping/>
+  </p:clrMapOvr>
+</p:sld>
+</file>
+
+<file path=ppt/slides/slide17.xml><?xml version="1.0" encoding="utf-8"?>
+<p:sld xmlns:a="http://schemas.openxmlformats.org/drawingml/2006/main" xmlns:r="http://schemas.openxmlformats.org/officeDocument/2006/relationships" xmlns:p="http://schemas.openxmlformats.org/presentationml/2006/main">
+  <p:cSld>
+    <p:spTree>
+      <p:nvGrpSpPr>
+        <p:cNvPr id="1" name=""/>
+        <p:cNvGrpSpPr/>
+        <p:nvPr/>
+      </p:nvGrpSpPr>
+      <p:grpSpPr>
+        <a:xfrm>
+          <a:off x="0" y="0"/>
+          <a:ext cx="0" cy="0"/>
+          <a:chOff x="0" y="0"/>
+          <a:chExt cx="0" cy="0"/>
+        </a:xfrm>
+      </p:grpSpPr>
+      <p:sp>
+        <p:nvSpPr>
+          <p:cNvPr id="2" name="Title 1">
+            <a:extLst>
+              <a:ext uri="{FF2B5EF4-FFF2-40B4-BE49-F238E27FC236}">
+                <a16:creationId xmlns:a16="http://schemas.microsoft.com/office/drawing/2014/main" id="{F3699851-D83E-A1F6-17CD-600788D83E4A}"/>
+              </a:ext>
+            </a:extLst>
+          </p:cNvPr>
+          <p:cNvSpPr>
+            <a:spLocks noGrp="1"/>
+          </p:cNvSpPr>
+          <p:nvPr>
+            <p:ph type="title"/>
+          </p:nvPr>
+        </p:nvSpPr>
+        <p:spPr/>
+        <p:txBody>
+          <a:bodyPr/>
+          <a:lstStyle/>
+          <a:p>
+            <a:r>
+              <a:rPr lang="en-GB" dirty="0"/>
+              <a:t>HOWTO PGO</a:t>
+            </a:r>
+          </a:p>
+        </p:txBody>
+      </p:sp>
+      <p:pic>
+        <p:nvPicPr>
+          <p:cNvPr id="5" name="Picture 4">
+            <a:extLst>
+              <a:ext uri="{FF2B5EF4-FFF2-40B4-BE49-F238E27FC236}">
+                <a16:creationId xmlns:a16="http://schemas.microsoft.com/office/drawing/2014/main" id="{71274039-B36B-E3C8-A43A-298749C2F0BF}"/>
+              </a:ext>
+            </a:extLst>
+          </p:cNvPr>
+          <p:cNvPicPr>
+            <a:picLocks noChangeAspect="1"/>
+          </p:cNvPicPr>
+          <p:nvPr/>
+        </p:nvPicPr>
+        <p:blipFill>
+          <a:blip r:embed="rId2"/>
+          <a:stretch>
+            <a:fillRect/>
+          </a:stretch>
+        </p:blipFill>
+        <p:spPr>
+          <a:xfrm>
+            <a:off x="1187116" y="1974952"/>
+            <a:ext cx="9974170" cy="3832289"/>
+          </a:xfrm>
+          <a:prstGeom prst="rect">
+            <a:avLst/>
+          </a:prstGeom>
+        </p:spPr>
+      </p:pic>
+    </p:spTree>
+    <p:extLst>
+      <p:ext uri="{BB962C8B-B14F-4D97-AF65-F5344CB8AC3E}">
+        <p14:creationId xmlns:p14="http://schemas.microsoft.com/office/powerpoint/2010/main" val="1934116494"/>
+      </p:ext>
+    </p:extLst>
+  </p:cSld>
+  <p:clrMapOvr>
+    <a:masterClrMapping/>
+  </p:clrMapOvr>
+</p:sld>
+</file>
+
 <file path=ppt/slides/slide2.xml><?xml version="1.0" encoding="utf-8"?>
 <p:sld xmlns:a="http://schemas.openxmlformats.org/drawingml/2006/main" xmlns:r="http://schemas.openxmlformats.org/officeDocument/2006/relationships" xmlns:p="http://schemas.openxmlformats.org/presentationml/2006/main">
   <p:cSld>
@@ -4290,6 +4985,463 @@
     <p:extLst>
       <p:ext uri="{BB962C8B-B14F-4D97-AF65-F5344CB8AC3E}">
         <p14:creationId xmlns:p14="http://schemas.microsoft.com/office/powerpoint/2010/main" val="1934969825"/>
+      </p:ext>
+    </p:extLst>
+  </p:cSld>
+  <p:clrMapOvr>
+    <a:masterClrMapping/>
+  </p:clrMapOvr>
+</p:sld>
+</file>
+
+<file path=ppt/slides/slide5.xml><?xml version="1.0" encoding="utf-8"?>
+<p:sld xmlns:a="http://schemas.openxmlformats.org/drawingml/2006/main" xmlns:r="http://schemas.openxmlformats.org/officeDocument/2006/relationships" xmlns:p="http://schemas.openxmlformats.org/presentationml/2006/main">
+  <p:cSld>
+    <p:spTree>
+      <p:nvGrpSpPr>
+        <p:cNvPr id="1" name=""/>
+        <p:cNvGrpSpPr/>
+        <p:nvPr/>
+      </p:nvGrpSpPr>
+      <p:grpSpPr>
+        <a:xfrm>
+          <a:off x="0" y="0"/>
+          <a:ext cx="0" cy="0"/>
+          <a:chOff x="0" y="0"/>
+          <a:chExt cx="0" cy="0"/>
+        </a:xfrm>
+      </p:grpSpPr>
+      <p:sp>
+        <p:nvSpPr>
+          <p:cNvPr id="2" name="Title 1">
+            <a:extLst>
+              <a:ext uri="{FF2B5EF4-FFF2-40B4-BE49-F238E27FC236}">
+                <a16:creationId xmlns:a16="http://schemas.microsoft.com/office/drawing/2014/main" id="{2F8ABBDF-56D3-DD8A-E439-59B05EEB6FE9}"/>
+              </a:ext>
+            </a:extLst>
+          </p:cNvPr>
+          <p:cNvSpPr>
+            <a:spLocks noGrp="1"/>
+          </p:cNvSpPr>
+          <p:nvPr>
+            <p:ph type="title"/>
+          </p:nvPr>
+        </p:nvSpPr>
+        <p:spPr/>
+        <p:txBody>
+          <a:bodyPr/>
+          <a:lstStyle/>
+          <a:p>
+            <a:r>
+              <a:rPr lang="en-GB" dirty="0"/>
+              <a:t>Naïve implementation</a:t>
+            </a:r>
+          </a:p>
+        </p:txBody>
+      </p:sp>
+      <p:sp>
+        <p:nvSpPr>
+          <p:cNvPr id="3" name="Text Placeholder 2">
+            <a:extLst>
+              <a:ext uri="{FF2B5EF4-FFF2-40B4-BE49-F238E27FC236}">
+                <a16:creationId xmlns:a16="http://schemas.microsoft.com/office/drawing/2014/main" id="{961AEA86-8813-5DC0-CC00-17C3341DB01B}"/>
+              </a:ext>
+            </a:extLst>
+          </p:cNvPr>
+          <p:cNvSpPr>
+            <a:spLocks noGrp="1"/>
+          </p:cNvSpPr>
+          <p:nvPr>
+            <p:ph type="body" idx="1"/>
+          </p:nvPr>
+        </p:nvSpPr>
+        <p:spPr/>
+        <p:txBody>
+          <a:bodyPr/>
+          <a:lstStyle/>
+          <a:p>
+            <a:endParaRPr lang="en-GB"/>
+          </a:p>
+        </p:txBody>
+      </p:sp>
+    </p:spTree>
+    <p:extLst>
+      <p:ext uri="{BB962C8B-B14F-4D97-AF65-F5344CB8AC3E}">
+        <p14:creationId xmlns:p14="http://schemas.microsoft.com/office/powerpoint/2010/main" val="1560237025"/>
+      </p:ext>
+    </p:extLst>
+  </p:cSld>
+  <p:clrMapOvr>
+    <a:masterClrMapping/>
+  </p:clrMapOvr>
+</p:sld>
+</file>
+
+<file path=ppt/slides/slide6.xml><?xml version="1.0" encoding="utf-8"?>
+<p:sld xmlns:a="http://schemas.openxmlformats.org/drawingml/2006/main" xmlns:r="http://schemas.openxmlformats.org/officeDocument/2006/relationships" xmlns:p="http://schemas.openxmlformats.org/presentationml/2006/main">
+  <p:cSld>
+    <p:spTree>
+      <p:nvGrpSpPr>
+        <p:cNvPr id="1" name=""/>
+        <p:cNvGrpSpPr/>
+        <p:nvPr/>
+      </p:nvGrpSpPr>
+      <p:grpSpPr>
+        <a:xfrm>
+          <a:off x="0" y="0"/>
+          <a:ext cx="0" cy="0"/>
+          <a:chOff x="0" y="0"/>
+          <a:chExt cx="0" cy="0"/>
+        </a:xfrm>
+      </p:grpSpPr>
+      <p:sp>
+        <p:nvSpPr>
+          <p:cNvPr id="2" name="Title 1">
+            <a:extLst>
+              <a:ext uri="{FF2B5EF4-FFF2-40B4-BE49-F238E27FC236}">
+                <a16:creationId xmlns:a16="http://schemas.microsoft.com/office/drawing/2014/main" id="{852493EC-A195-0D7E-781F-20AE08A638E1}"/>
+              </a:ext>
+            </a:extLst>
+          </p:cNvPr>
+          <p:cNvSpPr>
+            <a:spLocks noGrp="1"/>
+          </p:cNvSpPr>
+          <p:nvPr>
+            <p:ph type="title"/>
+          </p:nvPr>
+        </p:nvSpPr>
+        <p:spPr/>
+        <p:txBody>
+          <a:bodyPr/>
+          <a:lstStyle/>
+          <a:p>
+            <a:r>
+              <a:rPr lang="en-GB" dirty="0"/>
+              <a:t>UTF-8</a:t>
+            </a:r>
+          </a:p>
+        </p:txBody>
+      </p:sp>
+      <p:sp>
+        <p:nvSpPr>
+          <p:cNvPr id="3" name="Text Placeholder 2">
+            <a:extLst>
+              <a:ext uri="{FF2B5EF4-FFF2-40B4-BE49-F238E27FC236}">
+                <a16:creationId xmlns:a16="http://schemas.microsoft.com/office/drawing/2014/main" id="{952D8002-FBBE-7549-0E6F-B5C46A7B0FBF}"/>
+              </a:ext>
+            </a:extLst>
+          </p:cNvPr>
+          <p:cNvSpPr>
+            <a:spLocks noGrp="1"/>
+          </p:cNvSpPr>
+          <p:nvPr>
+            <p:ph type="body" idx="1"/>
+          </p:nvPr>
+        </p:nvSpPr>
+        <p:spPr/>
+        <p:txBody>
+          <a:bodyPr/>
+          <a:lstStyle/>
+          <a:p>
+            <a:endParaRPr lang="en-GB"/>
+          </a:p>
+        </p:txBody>
+      </p:sp>
+    </p:spTree>
+    <p:extLst>
+      <p:ext uri="{BB962C8B-B14F-4D97-AF65-F5344CB8AC3E}">
+        <p14:creationId xmlns:p14="http://schemas.microsoft.com/office/powerpoint/2010/main" val="343221324"/>
+      </p:ext>
+    </p:extLst>
+  </p:cSld>
+  <p:clrMapOvr>
+    <a:masterClrMapping/>
+  </p:clrMapOvr>
+</p:sld>
+</file>
+
+<file path=ppt/slides/slide7.xml><?xml version="1.0" encoding="utf-8"?>
+<p:sld xmlns:a="http://schemas.openxmlformats.org/drawingml/2006/main" xmlns:r="http://schemas.openxmlformats.org/officeDocument/2006/relationships" xmlns:p="http://schemas.openxmlformats.org/presentationml/2006/main">
+  <p:cSld>
+    <p:spTree>
+      <p:nvGrpSpPr>
+        <p:cNvPr id="1" name=""/>
+        <p:cNvGrpSpPr/>
+        <p:nvPr/>
+      </p:nvGrpSpPr>
+      <p:grpSpPr>
+        <a:xfrm>
+          <a:off x="0" y="0"/>
+          <a:ext cx="0" cy="0"/>
+          <a:chOff x="0" y="0"/>
+          <a:chExt cx="0" cy="0"/>
+        </a:xfrm>
+      </p:grpSpPr>
+      <p:sp>
+        <p:nvSpPr>
+          <p:cNvPr id="2" name="Title 1">
+            <a:extLst>
+              <a:ext uri="{FF2B5EF4-FFF2-40B4-BE49-F238E27FC236}">
+                <a16:creationId xmlns:a16="http://schemas.microsoft.com/office/drawing/2014/main" id="{99FBFD02-2EA3-8D71-12AA-E59FADDD338E}"/>
+              </a:ext>
+            </a:extLst>
+          </p:cNvPr>
+          <p:cNvSpPr>
+            <a:spLocks noGrp="1"/>
+          </p:cNvSpPr>
+          <p:nvPr>
+            <p:ph type="title"/>
+          </p:nvPr>
+        </p:nvSpPr>
+        <p:spPr/>
+        <p:txBody>
+          <a:bodyPr/>
+          <a:lstStyle/>
+          <a:p>
+            <a:r>
+              <a:rPr lang="en-GB" dirty="0" err="1"/>
+              <a:t>BenchmarkDotNet</a:t>
+            </a:r>
+            <a:endParaRPr lang="en-GB" dirty="0"/>
+          </a:p>
+        </p:txBody>
+      </p:sp>
+      <p:sp>
+        <p:nvSpPr>
+          <p:cNvPr id="3" name="Text Placeholder 2">
+            <a:extLst>
+              <a:ext uri="{FF2B5EF4-FFF2-40B4-BE49-F238E27FC236}">
+                <a16:creationId xmlns:a16="http://schemas.microsoft.com/office/drawing/2014/main" id="{015C5609-BD3E-97BE-74D4-F4F167A46076}"/>
+              </a:ext>
+            </a:extLst>
+          </p:cNvPr>
+          <p:cNvSpPr>
+            <a:spLocks noGrp="1"/>
+          </p:cNvSpPr>
+          <p:nvPr>
+            <p:ph type="body" idx="1"/>
+          </p:nvPr>
+        </p:nvSpPr>
+        <p:spPr/>
+        <p:txBody>
+          <a:bodyPr/>
+          <a:lstStyle/>
+          <a:p>
+            <a:endParaRPr lang="en-GB"/>
+          </a:p>
+        </p:txBody>
+      </p:sp>
+    </p:spTree>
+    <p:extLst>
+      <p:ext uri="{BB962C8B-B14F-4D97-AF65-F5344CB8AC3E}">
+        <p14:creationId xmlns:p14="http://schemas.microsoft.com/office/powerpoint/2010/main" val="3087441824"/>
+      </p:ext>
+    </p:extLst>
+  </p:cSld>
+  <p:clrMapOvr>
+    <a:masterClrMapping/>
+  </p:clrMapOvr>
+</p:sld>
+</file>
+
+<file path=ppt/slides/slide8.xml><?xml version="1.0" encoding="utf-8"?>
+<p:sld xmlns:a="http://schemas.openxmlformats.org/drawingml/2006/main" xmlns:r="http://schemas.openxmlformats.org/officeDocument/2006/relationships" xmlns:p="http://schemas.openxmlformats.org/presentationml/2006/main">
+  <p:cSld>
+    <p:spTree>
+      <p:nvGrpSpPr>
+        <p:cNvPr id="1" name=""/>
+        <p:cNvGrpSpPr/>
+        <p:nvPr/>
+      </p:nvGrpSpPr>
+      <p:grpSpPr>
+        <a:xfrm>
+          <a:off x="0" y="0"/>
+          <a:ext cx="0" cy="0"/>
+          <a:chOff x="0" y="0"/>
+          <a:chExt cx="0" cy="0"/>
+        </a:xfrm>
+      </p:grpSpPr>
+      <p:sp>
+        <p:nvSpPr>
+          <p:cNvPr id="2" name="Title 1">
+            <a:extLst>
+              <a:ext uri="{FF2B5EF4-FFF2-40B4-BE49-F238E27FC236}">
+                <a16:creationId xmlns:a16="http://schemas.microsoft.com/office/drawing/2014/main" id="{A70F6920-51BB-55F4-4E3A-9DF99EFC7AB1}"/>
+              </a:ext>
+            </a:extLst>
+          </p:cNvPr>
+          <p:cNvSpPr>
+            <a:spLocks noGrp="1"/>
+          </p:cNvSpPr>
+          <p:nvPr>
+            <p:ph type="title"/>
+          </p:nvPr>
+        </p:nvSpPr>
+        <p:spPr/>
+        <p:txBody>
+          <a:bodyPr/>
+          <a:lstStyle/>
+          <a:p>
+            <a:r>
+              <a:rPr lang="en-GB" dirty="0" err="1"/>
+              <a:t>BenchmarkDotNet</a:t>
+            </a:r>
+            <a:endParaRPr lang="en-GB" dirty="0"/>
+          </a:p>
+        </p:txBody>
+      </p:sp>
+      <p:sp>
+        <p:nvSpPr>
+          <p:cNvPr id="3" name="Content Placeholder 2">
+            <a:extLst>
+              <a:ext uri="{FF2B5EF4-FFF2-40B4-BE49-F238E27FC236}">
+                <a16:creationId xmlns:a16="http://schemas.microsoft.com/office/drawing/2014/main" id="{FA817DE6-5F74-93E8-16FF-141881471002}"/>
+              </a:ext>
+            </a:extLst>
+          </p:cNvPr>
+          <p:cNvSpPr>
+            <a:spLocks noGrp="1"/>
+          </p:cNvSpPr>
+          <p:nvPr>
+            <p:ph idx="1"/>
+          </p:nvPr>
+        </p:nvSpPr>
+        <p:spPr/>
+        <p:txBody>
+          <a:bodyPr/>
+          <a:lstStyle/>
+          <a:p>
+            <a:r>
+              <a:rPr lang="en-GB" dirty="0"/>
+              <a:t>Micro-benchmarking library</a:t>
+            </a:r>
+          </a:p>
+          <a:p>
+            <a:r>
+              <a:rPr lang="en-GB" dirty="0"/>
+              <a:t>Measure iteration time</a:t>
+            </a:r>
+          </a:p>
+          <a:p>
+            <a:r>
+              <a:rPr lang="en-GB" dirty="0"/>
+              <a:t>Record:</a:t>
+            </a:r>
+          </a:p>
+          <a:p>
+            <a:pPr lvl="1"/>
+            <a:r>
+              <a:rPr lang="en-GB" dirty="0"/>
+              <a:t>Allocations</a:t>
+            </a:r>
+          </a:p>
+          <a:p>
+            <a:pPr lvl="1"/>
+            <a:r>
+              <a:rPr lang="en-GB" dirty="0"/>
+              <a:t>IL and ASM</a:t>
+            </a:r>
+          </a:p>
+          <a:p>
+            <a:r>
+              <a:rPr lang="en-GB" dirty="0"/>
+              <a:t>For up-front optimization</a:t>
+            </a:r>
+          </a:p>
+        </p:txBody>
+      </p:sp>
+    </p:spTree>
+    <p:extLst>
+      <p:ext uri="{BB962C8B-B14F-4D97-AF65-F5344CB8AC3E}">
+        <p14:creationId xmlns:p14="http://schemas.microsoft.com/office/powerpoint/2010/main" val="611843804"/>
+      </p:ext>
+    </p:extLst>
+  </p:cSld>
+  <p:clrMapOvr>
+    <a:masterClrMapping/>
+  </p:clrMapOvr>
+</p:sld>
+</file>
+
+<file path=ppt/slides/slide9.xml><?xml version="1.0" encoding="utf-8"?>
+<p:sld xmlns:a="http://schemas.openxmlformats.org/drawingml/2006/main" xmlns:r="http://schemas.openxmlformats.org/officeDocument/2006/relationships" xmlns:p="http://schemas.openxmlformats.org/presentationml/2006/main">
+  <p:cSld>
+    <p:spTree>
+      <p:nvGrpSpPr>
+        <p:cNvPr id="1" name=""/>
+        <p:cNvGrpSpPr/>
+        <p:nvPr/>
+      </p:nvGrpSpPr>
+      <p:grpSpPr>
+        <a:xfrm>
+          <a:off x="0" y="0"/>
+          <a:ext cx="0" cy="0"/>
+          <a:chOff x="0" y="0"/>
+          <a:chExt cx="0" cy="0"/>
+        </a:xfrm>
+      </p:grpSpPr>
+      <p:sp>
+        <p:nvSpPr>
+          <p:cNvPr id="2" name="Title 1">
+            <a:extLst>
+              <a:ext uri="{FF2B5EF4-FFF2-40B4-BE49-F238E27FC236}">
+                <a16:creationId xmlns:a16="http://schemas.microsoft.com/office/drawing/2014/main" id="{118BD704-49C9-A40B-2D61-50BAAFB318E6}"/>
+              </a:ext>
+            </a:extLst>
+          </p:cNvPr>
+          <p:cNvSpPr>
+            <a:spLocks noGrp="1"/>
+          </p:cNvSpPr>
+          <p:nvPr>
+            <p:ph type="title"/>
+          </p:nvPr>
+        </p:nvSpPr>
+        <p:spPr/>
+        <p:txBody>
+          <a:bodyPr/>
+          <a:lstStyle/>
+          <a:p>
+            <a:r>
+              <a:rPr lang="en-GB" dirty="0"/>
+              <a:t>UTF-8 + </a:t>
+            </a:r>
+            <a:r>
+              <a:rPr lang="en-GB" dirty="0" err="1"/>
+              <a:t>StringPool</a:t>
+            </a:r>
+            <a:endParaRPr lang="en-GB" dirty="0"/>
+          </a:p>
+        </p:txBody>
+      </p:sp>
+      <p:sp>
+        <p:nvSpPr>
+          <p:cNvPr id="3" name="Text Placeholder 2">
+            <a:extLst>
+              <a:ext uri="{FF2B5EF4-FFF2-40B4-BE49-F238E27FC236}">
+                <a16:creationId xmlns:a16="http://schemas.microsoft.com/office/drawing/2014/main" id="{423559BA-6293-C780-C222-F03E06691984}"/>
+              </a:ext>
+            </a:extLst>
+          </p:cNvPr>
+          <p:cNvSpPr>
+            <a:spLocks noGrp="1"/>
+          </p:cNvSpPr>
+          <p:nvPr>
+            <p:ph type="body" idx="1"/>
+          </p:nvPr>
+        </p:nvSpPr>
+        <p:spPr/>
+        <p:txBody>
+          <a:bodyPr/>
+          <a:lstStyle/>
+          <a:p>
+            <a:endParaRPr lang="en-GB"/>
+          </a:p>
+        </p:txBody>
+      </p:sp>
+    </p:spTree>
+    <p:extLst>
+      <p:ext uri="{BB962C8B-B14F-4D97-AF65-F5344CB8AC3E}">
+        <p14:creationId xmlns:p14="http://schemas.microsoft.com/office/powerpoint/2010/main" val="1240781194"/>
       </p:ext>
     </p:extLst>
   </p:cSld>
